--- a/work/맵 수정사항.pptx
+++ b/work/맵 수정사항.pptx
@@ -107,6 +107,11 @@
       </a:defRPr>
     </a:lvl9pPr>
   </p:defaultTextStyle>
+  <p:extLst>
+    <p:ext uri="{EFAFB233-063F-42B5-8137-9DF3F51BA10A}">
+      <p15:sldGuideLst xmlns:p15="http://schemas.microsoft.com/office/powerpoint/2012/main"/>
+    </p:ext>
+  </p:extLst>
 </p:presentation>
 </file>
 
@@ -3411,7 +3416,7 @@
         <p:spPr>
           <a:xfrm>
             <a:off x="1381320" y="4385387"/>
-            <a:ext cx="4993675" cy="523220"/>
+            <a:ext cx="7170553" cy="738664"/>
           </a:xfrm>
           <a:prstGeom prst="rect">
             <a:avLst/>
@@ -3425,16 +3430,68 @@
           <a:lstStyle/>
           <a:p>
             <a:r>
+              <a:rPr lang="ko-KR" altLang="en-US" sz="1400" strike="sngStrike" dirty="0"/>
+              <a:t>좌측 정렬</a:t>
+            </a:r>
+            <a:endParaRPr lang="en-US" altLang="ko-KR" sz="1400" strike="sngStrike" dirty="0"/>
+          </a:p>
+          <a:p>
+            <a:r>
               <a:rPr lang="ko-KR" altLang="en-US" sz="1400" dirty="0"/>
-              <a:t>좌측 정렬</a:t>
-            </a:r>
-            <a:endParaRPr lang="en-US" altLang="ko-KR" sz="1400" dirty="0"/>
-          </a:p>
-          <a:p>
-            <a:r>
-              <a:rPr lang="ko-KR" altLang="en-US" sz="1400" dirty="0"/>
-              <a:t>범례 표시는 구석에 위치하고 클릭했을 때 나오는 방향 검토</a:t>
-            </a:r>
+              <a:t>범례 표시는 구석에 위치하고 클릭했을 때 나오는 </a:t>
+            </a:r>
+            <a:r>
+              <a:rPr lang="ko-KR" altLang="en-US" sz="1400"/>
+              <a:t>방향 검토</a:t>
+            </a:r>
+            <a:endParaRPr lang="en-US" altLang="ko-KR" sz="1400"/>
+          </a:p>
+          <a:p>
+            <a:r>
+              <a:rPr lang="en-US" altLang="ko-KR" sz="1400">
+                <a:solidFill>
+                  <a:srgbClr val="0070C0"/>
+                </a:solidFill>
+              </a:rPr>
+              <a:t>=&gt; </a:t>
+            </a:r>
+            <a:r>
+              <a:rPr lang="ko-KR" altLang="en-US" sz="1400">
+                <a:solidFill>
+                  <a:srgbClr val="0070C0"/>
+                </a:solidFill>
+              </a:rPr>
+              <a:t>클릭하기 위한 작은 버튼이 필요할 것 같습니다</a:t>
+            </a:r>
+            <a:r>
+              <a:rPr lang="en-US" altLang="ko-KR" sz="1400">
+                <a:solidFill>
+                  <a:srgbClr val="0070C0"/>
+                </a:solidFill>
+              </a:rPr>
+              <a:t>. </a:t>
+            </a:r>
+            <a:r>
+              <a:rPr lang="ko-KR" altLang="en-US" sz="1400">
+                <a:solidFill>
+                  <a:srgbClr val="0070C0"/>
+                </a:solidFill>
+              </a:rPr>
+              <a:t>혹시 디자인 제공이 가능하신지요</a:t>
+            </a:r>
+            <a:r>
+              <a:rPr lang="en-US" altLang="ko-KR" sz="1400">
+                <a:solidFill>
+                  <a:srgbClr val="0070C0"/>
+                </a:solidFill>
+              </a:rPr>
+              <a:t>?</a:t>
+            </a:r>
+            <a:endParaRPr lang="ko-KR" altLang="en-US" sz="1400" dirty="0">
+              <a:solidFill>
+                <a:srgbClr val="0070C0"/>
+              </a:solidFill>
+            </a:endParaRPr>
           </a:p>
         </p:txBody>
       </p:sp>
@@ -3792,17 +3849,17 @@
           <a:lstStyle/>
           <a:p>
             <a:r>
-              <a:rPr lang="ko-KR" altLang="en-US" sz="1400" dirty="0"/>
+              <a:rPr lang="ko-KR" altLang="en-US" sz="1400" strike="sngStrike" dirty="0"/>
               <a:t>원 크기는 더 작게</a:t>
             </a:r>
             <a:r>
-              <a:rPr lang="en-US" altLang="ko-KR" sz="1400" dirty="0"/>
+              <a:rPr lang="en-US" altLang="ko-KR" sz="1400" strike="sngStrike" dirty="0"/>
               <a:t>. </a:t>
             </a:r>
           </a:p>
           <a:p>
             <a:r>
-              <a:rPr lang="ko-KR" altLang="en-US" sz="1400" dirty="0"/>
+              <a:rPr lang="ko-KR" altLang="en-US" sz="1400" strike="sngStrike" dirty="0"/>
               <a:t>테두리는 흰색으로 얇게 처리</a:t>
             </a:r>
           </a:p>
@@ -3837,37 +3894,37 @@
           <a:lstStyle/>
           <a:p>
             <a:r>
-              <a:rPr lang="ko-KR" altLang="en-US" sz="1400" dirty="0" err="1"/>
+              <a:rPr lang="ko-KR" altLang="en-US" sz="1400" strike="sngStrike" dirty="0" err="1"/>
               <a:t>툴팁은</a:t>
             </a:r>
             <a:r>
-              <a:rPr lang="ko-KR" altLang="en-US" sz="1400" dirty="0"/>
+              <a:rPr lang="ko-KR" altLang="en-US" sz="1400" strike="sngStrike" dirty="0"/>
               <a:t> 좌측과 같은 양식으로 작성</a:t>
             </a:r>
-            <a:endParaRPr lang="en-US" altLang="ko-KR" sz="1400" dirty="0"/>
-          </a:p>
-          <a:p>
-            <a:r>
-              <a:rPr lang="ko-KR" altLang="en-US" sz="1400" dirty="0" err="1"/>
+            <a:endParaRPr lang="en-US" altLang="ko-KR" sz="1400" strike="sngStrike" dirty="0"/>
+          </a:p>
+          <a:p>
+            <a:r>
+              <a:rPr lang="ko-KR" altLang="en-US" sz="1400" strike="sngStrike" dirty="0" err="1"/>
               <a:t>두번째줄은</a:t>
             </a:r>
             <a:r>
-              <a:rPr lang="ko-KR" altLang="en-US" sz="1400" dirty="0"/>
+              <a:rPr lang="ko-KR" altLang="en-US" sz="1400" strike="sngStrike" dirty="0"/>
               <a:t> </a:t>
             </a:r>
             <a:r>
-              <a:rPr lang="en-US" altLang="ko-KR" sz="1400" dirty="0"/>
+              <a:rPr lang="en-US" altLang="ko-KR" sz="1400" strike="sngStrike" dirty="0"/>
               <a:t>Bold </a:t>
             </a:r>
             <a:r>
-              <a:rPr lang="ko-KR" altLang="en-US" sz="1400" dirty="0"/>
+              <a:rPr lang="ko-KR" altLang="en-US" sz="1400" strike="sngStrike" dirty="0"/>
               <a:t>표시</a:t>
             </a:r>
-            <a:endParaRPr lang="en-US" altLang="ko-KR" sz="1400" dirty="0"/>
-          </a:p>
-          <a:p>
-            <a:r>
-              <a:rPr lang="ko-KR" altLang="en-US" sz="1400" dirty="0"/>
+            <a:endParaRPr lang="en-US" altLang="ko-KR" sz="1400" strike="sngStrike" dirty="0"/>
+          </a:p>
+          <a:p>
+            <a:r>
+              <a:rPr lang="ko-KR" altLang="en-US" sz="1400" strike="sngStrike" dirty="0"/>
               <a:t>테두리는 얇은 흰색</a:t>
             </a:r>
           </a:p>
@@ -4124,6 +4181,159 @@
           </a:p>
         </p:txBody>
       </p:sp>
+      <p:sp>
+        <p:nvSpPr>
+          <p:cNvPr id="3" name="TextBox 2">
+            <a:extLst>
+              <a:ext uri="{FF2B5EF4-FFF2-40B4-BE49-F238E27FC236}">
+                <a16:creationId xmlns:a16="http://schemas.microsoft.com/office/drawing/2014/main" id="{065D252E-18FE-457F-B103-046C4B3666B2}"/>
+              </a:ext>
+            </a:extLst>
+          </p:cNvPr>
+          <p:cNvSpPr txBox="1"/>
+          <p:nvPr/>
+        </p:nvSpPr>
+        <p:spPr>
+          <a:xfrm>
+            <a:off x="6696891" y="2316480"/>
+            <a:ext cx="5353260" cy="738664"/>
+          </a:xfrm>
+          <a:prstGeom prst="rect">
+            <a:avLst/>
+          </a:prstGeom>
+          <a:noFill/>
+        </p:spPr>
+        <p:txBody>
+          <a:bodyPr wrap="none" rtlCol="0">
+            <a:spAutoFit/>
+          </a:bodyPr>
+          <a:lstStyle/>
+          <a:p>
+            <a:pPr marL="285750" indent="-285750" algn="l">
+              <a:buFont typeface="Symbol" panose="05050102010706020507" pitchFamily="18" charset="2"/>
+              <a:buChar char="Þ"/>
+            </a:pPr>
+            <a:r>
+              <a:rPr lang="ko-KR" altLang="en-US" sz="1400">
+                <a:solidFill>
+                  <a:srgbClr val="0070C0"/>
+                </a:solidFill>
+              </a:rPr>
+              <a:t>이런 현상이 나타나는 원의 경우</a:t>
+            </a:r>
+            <a:endParaRPr lang="en-US" altLang="ko-KR" sz="1400">
+              <a:solidFill>
+                <a:srgbClr val="0070C0"/>
+              </a:solidFill>
+            </a:endParaRPr>
+          </a:p>
+          <a:p>
+            <a:pPr algn="l"/>
+            <a:r>
+              <a:rPr lang="en-US" altLang="ko-KR" sz="1400">
+                <a:solidFill>
+                  <a:srgbClr val="0070C0"/>
+                </a:solidFill>
+              </a:rPr>
+              <a:t>     </a:t>
+            </a:r>
+            <a:r>
+              <a:rPr lang="ko-KR" altLang="en-US" sz="1400">
+                <a:solidFill>
+                  <a:srgbClr val="0070C0"/>
+                </a:solidFill>
+              </a:rPr>
+              <a:t>위도</a:t>
+            </a:r>
+            <a:r>
+              <a:rPr lang="en-US" altLang="ko-KR" sz="1400">
+                <a:solidFill>
+                  <a:srgbClr val="0070C0"/>
+                </a:solidFill>
+              </a:rPr>
+              <a:t>(LTITDE) </a:t>
+            </a:r>
+            <a:r>
+              <a:rPr lang="ko-KR" altLang="en-US" sz="1400">
+                <a:solidFill>
+                  <a:srgbClr val="0070C0"/>
+                </a:solidFill>
+              </a:rPr>
+              <a:t>값이</a:t>
+            </a:r>
+            <a:r>
+              <a:rPr lang="en-US" altLang="ko-KR" sz="1400">
+                <a:solidFill>
+                  <a:srgbClr val="0070C0"/>
+                </a:solidFill>
+              </a:rPr>
+              <a:t> </a:t>
+            </a:r>
+            <a:r>
+              <a:rPr lang="en-US" altLang="ko-KR" sz="1400" b="0" i="0">
+                <a:solidFill>
+                  <a:srgbClr val="0070C0"/>
+                </a:solidFill>
+                <a:effectLst/>
+                <a:latin typeface="consolas" panose="020B0609020204030204" pitchFamily="49" charset="0"/>
+              </a:rPr>
+              <a:t>327.962568 </a:t>
+            </a:r>
+            <a:r>
+              <a:rPr lang="ko-KR" altLang="en-US" sz="1400" b="0" i="0">
+                <a:solidFill>
+                  <a:srgbClr val="0070C0"/>
+                </a:solidFill>
+                <a:effectLst/>
+                <a:latin typeface="consolas" panose="020B0609020204030204" pitchFamily="49" charset="0"/>
+              </a:rPr>
+              <a:t>와 같이 정상적인 범위내의</a:t>
+            </a:r>
+            <a:endParaRPr lang="en-US" altLang="ko-KR" sz="1400" b="0" i="0">
+              <a:solidFill>
+                <a:srgbClr val="0070C0"/>
+              </a:solidFill>
+              <a:effectLst/>
+              <a:latin typeface="consolas" panose="020B0609020204030204" pitchFamily="49" charset="0"/>
+            </a:endParaRPr>
+          </a:p>
+          <a:p>
+            <a:pPr algn="l"/>
+            <a:r>
+              <a:rPr lang="en-US" altLang="ko-KR" sz="1400">
+                <a:solidFill>
+                  <a:srgbClr val="0070C0"/>
+                </a:solidFill>
+                <a:latin typeface="consolas" panose="020B0609020204030204" pitchFamily="49" charset="0"/>
+              </a:rPr>
+              <a:t>   </a:t>
+            </a:r>
+            <a:r>
+              <a:rPr lang="ko-KR" altLang="en-US" sz="1400">
+                <a:solidFill>
+                  <a:srgbClr val="0070C0"/>
+                </a:solidFill>
+                <a:latin typeface="consolas" panose="020B0609020204030204" pitchFamily="49" charset="0"/>
+              </a:rPr>
+              <a:t>값이 아닌 것 같습니다</a:t>
+            </a:r>
+            <a:r>
+              <a:rPr lang="en-US" altLang="ko-KR" sz="1400">
+                <a:solidFill>
+                  <a:srgbClr val="0070C0"/>
+                </a:solidFill>
+                <a:latin typeface="consolas" panose="020B0609020204030204" pitchFamily="49" charset="0"/>
+              </a:rPr>
+              <a:t>.</a:t>
+            </a:r>
+            <a:endParaRPr lang="ko-KR" altLang="en-US" sz="1400">
+              <a:solidFill>
+                <a:srgbClr val="0070C0"/>
+              </a:solidFill>
+            </a:endParaRPr>
+          </a:p>
+        </p:txBody>
+      </p:sp>
     </p:spTree>
     <p:extLst>
       <p:ext uri="{BB962C8B-B14F-4D97-AF65-F5344CB8AC3E}">
@@ -4214,10 +4424,10 @@
           <a:p>
             <a:pPr algn="l"/>
             <a:r>
-              <a:rPr lang="ko-KR" altLang="en-US" sz="1400" dirty="0"/>
+              <a:rPr lang="ko-KR" altLang="en-US" sz="1400" strike="sngStrike" dirty="0"/>
               <a:t>불필요함</a:t>
             </a:r>
-            <a:endParaRPr lang="en-US" altLang="ko-KR" sz="1400" dirty="0"/>
+            <a:endParaRPr lang="en-US" altLang="ko-KR" sz="1400" strike="sngStrike" dirty="0"/>
           </a:p>
           <a:p>
             <a:pPr algn="l"/>
@@ -4226,15 +4436,15 @@
           <a:p>
             <a:pPr algn="l"/>
             <a:r>
-              <a:rPr lang="ko-KR" altLang="en-US" sz="1400" dirty="0"/>
+              <a:rPr lang="ko-KR" altLang="en-US" sz="1400" strike="sngStrike" dirty="0"/>
               <a:t>화면에 없지만 선박</a:t>
             </a:r>
             <a:r>
-              <a:rPr lang="en-US" altLang="ko-KR" sz="1400" dirty="0"/>
+              <a:rPr lang="en-US" altLang="ko-KR" sz="1400" strike="sngStrike" dirty="0"/>
               <a:t>, </a:t>
             </a:r>
             <a:r>
-              <a:rPr lang="ko-KR" altLang="en-US" sz="1400" dirty="0"/>
+              <a:rPr lang="ko-KR" altLang="en-US" sz="1400" strike="sngStrike" dirty="0"/>
               <a:t>항공기 크기 작게 표현</a:t>
             </a:r>
           </a:p>
@@ -4381,7 +4591,7 @@
         <p:spPr>
           <a:xfrm>
             <a:off x="1854200" y="4070350"/>
-            <a:ext cx="3127779" cy="523220"/>
+            <a:ext cx="4293163" cy="738664"/>
           </a:xfrm>
           <a:prstGeom prst="rect">
             <a:avLst/>
@@ -4396,17 +4606,70 @@
           <a:p>
             <a:pPr algn="l"/>
             <a:r>
-              <a:rPr lang="ko-KR" altLang="en-US" sz="1400" dirty="0"/>
-              <a:t>대시보드 태풍과 같은 색감으로 표현</a:t>
-            </a:r>
-            <a:endParaRPr lang="en-US" altLang="ko-KR" sz="1400" dirty="0"/>
+              <a:rPr lang="ko-KR" altLang="en-US" sz="1400" strike="sngStrike" dirty="0"/>
+              <a:t>대시보드 태풍과 같은 </a:t>
+            </a:r>
+            <a:r>
+              <a:rPr lang="ko-KR" altLang="en-US" sz="1400" strike="sngStrike"/>
+              <a:t>색감으로 표현</a:t>
+            </a:r>
+            <a:endParaRPr lang="en-US" altLang="ko-KR" sz="1400">
+              <a:solidFill>
+                <a:srgbClr val="0070C0"/>
+              </a:solidFill>
+            </a:endParaRPr>
           </a:p>
           <a:p>
             <a:pPr algn="l"/>
             <a:r>
-              <a:rPr lang="ko-KR" altLang="en-US" sz="1400" dirty="0"/>
+              <a:rPr lang="ko-KR" altLang="en-US" sz="1400" strike="sngStrike"/>
               <a:t>폰트 등도 흐리게 보임</a:t>
             </a:r>
+            <a:endParaRPr lang="en-US" altLang="ko-KR" sz="1400" strike="sngStrike"/>
+          </a:p>
+          <a:p>
+            <a:pPr algn="l"/>
+            <a:r>
+              <a:rPr lang="en-US" altLang="ko-KR" sz="1400">
+                <a:solidFill>
+                  <a:srgbClr val="0070C0"/>
+                </a:solidFill>
+              </a:rPr>
+              <a:t>=&gt; </a:t>
+            </a:r>
+            <a:r>
+              <a:rPr lang="ko-KR" altLang="en-US" sz="1400">
+                <a:solidFill>
+                  <a:srgbClr val="0070C0"/>
+                </a:solidFill>
+              </a:rPr>
+              <a:t>수정하였습니다</a:t>
+            </a:r>
+            <a:r>
+              <a:rPr lang="en-US" altLang="ko-KR" sz="1400">
+                <a:solidFill>
+                  <a:srgbClr val="0070C0"/>
+                </a:solidFill>
+              </a:rPr>
+              <a:t>. </a:t>
+            </a:r>
+            <a:r>
+              <a:rPr lang="ko-KR" altLang="en-US" sz="1400">
+                <a:solidFill>
+                  <a:srgbClr val="0070C0"/>
+                </a:solidFill>
+              </a:rPr>
+              <a:t>살펴봐주시면 감사하겠습니다</a:t>
+            </a:r>
+            <a:r>
+              <a:rPr lang="en-US" altLang="ko-KR" sz="1400">
+                <a:solidFill>
+                  <a:srgbClr val="0070C0"/>
+                </a:solidFill>
+              </a:rPr>
+              <a:t>.</a:t>
+            </a:r>
+            <a:endParaRPr lang="ko-KR" altLang="en-US" sz="1400" strike="sngStrike" dirty="0"/>
           </a:p>
         </p:txBody>
       </p:sp>
